--- a/PowerPoint/FGC.pptx
+++ b/PowerPoint/FGC.pptx
@@ -108,6 +108,11 @@
       </a:defRPr>
     </a:lvl9pPr>
   </p:defaultTextStyle>
+  <p:extLst>
+    <p:ext uri="{EFAFB233-063F-42B5-8137-9DF3F51BA10A}">
+      <p15:sldGuideLst xmlns:p15="http://schemas.microsoft.com/office/powerpoint/2012/main"/>
+    </p:ext>
+  </p:extLst>
 </p:presentation>
 </file>
 
@@ -3494,7 +3499,7 @@
             <a:fld id="{11A6662E-FAF4-44BC-88B5-85A7CBFB6D30}" type="datetime1">
               <a:rPr lang="en-US" smtClean="0"/>
               <a:pPr/>
-              <a:t>5/18/2024</a:t>
+              <a:t>5/19/2024</a:t>
             </a:fld>
             <a:endParaRPr lang="en-US" dirty="0"/>
           </a:p>
@@ -3721,7 +3726,7 @@
           <a:p>
             <a:fld id="{4C559632-1575-4E14-B53B-3DC3D5ED3947}" type="datetime1">
               <a:rPr lang="en-US" smtClean="0"/>
-              <a:t>5/18/2024</a:t>
+              <a:t>5/19/2024</a:t>
             </a:fld>
             <a:endParaRPr lang="en-US"/>
           </a:p>
@@ -3929,7 +3934,7 @@
           <a:p>
             <a:fld id="{CC4A6868-2568-4CC9-B302-F37117B01A6E}" type="datetime1">
               <a:rPr lang="en-US" smtClean="0"/>
-              <a:t>5/18/2024</a:t>
+              <a:t>5/19/2024</a:t>
             </a:fld>
             <a:endParaRPr lang="en-US"/>
           </a:p>
@@ -4134,7 +4139,7 @@
           <a:p>
             <a:fld id="{0055F08A-1E71-4B2B-BB49-E743F2903911}" type="datetime1">
               <a:rPr lang="en-US" smtClean="0"/>
-              <a:t>5/18/2024</a:t>
+              <a:t>5/19/2024</a:t>
             </a:fld>
             <a:endParaRPr lang="en-US" dirty="0"/>
           </a:p>
@@ -4408,7 +4413,7 @@
           <a:p>
             <a:fld id="{15417D9E-721A-44BB-8863-9873FE64DA75}" type="datetime1">
               <a:rPr lang="en-US" smtClean="0"/>
-              <a:t>5/18/2024</a:t>
+              <a:t>5/19/2024</a:t>
             </a:fld>
             <a:endParaRPr lang="en-US"/>
           </a:p>
@@ -4681,7 +4686,7 @@
           <a:p>
             <a:fld id="{5F31DA2F-80B8-49CF-99FB-5ABCA53A607A}" type="datetime1">
               <a:rPr lang="en-US" smtClean="0"/>
-              <a:t>5/18/2024</a:t>
+              <a:t>5/19/2024</a:t>
             </a:fld>
             <a:endParaRPr lang="en-US"/>
           </a:p>
@@ -5096,7 +5101,7 @@
           <a:p>
             <a:fld id="{28852172-E6C9-4B6C-929A-A9DE3837BBF1}" type="datetime1">
               <a:rPr lang="en-US" smtClean="0"/>
-              <a:t>5/18/2024</a:t>
+              <a:t>5/19/2024</a:t>
             </a:fld>
             <a:endParaRPr lang="en-US"/>
           </a:p>
@@ -5248,7 +5253,7 @@
           <a:p>
             <a:fld id="{3AB41CFF-90C9-47B3-9DA1-F2BF8D839F7E}" type="datetime1">
               <a:rPr lang="en-US" smtClean="0"/>
-              <a:t>5/18/2024</a:t>
+              <a:t>5/19/2024</a:t>
             </a:fld>
             <a:endParaRPr lang="en-US"/>
           </a:p>
@@ -5361,7 +5366,7 @@
           <a:p>
             <a:fld id="{F06048FA-06AB-4884-A69B-986B96E68A24}" type="datetime1">
               <a:rPr lang="en-US" smtClean="0"/>
-              <a:t>5/18/2024</a:t>
+              <a:t>5/19/2024</a:t>
             </a:fld>
             <a:endParaRPr lang="en-US"/>
           </a:p>
@@ -5672,7 +5677,7 @@
           <a:p>
             <a:fld id="{50DB7ABA-0172-4F9C-889D-567164F66BCD}" type="datetime1">
               <a:rPr lang="en-US" smtClean="0"/>
-              <a:t>5/18/2024</a:t>
+              <a:t>5/19/2024</a:t>
             </a:fld>
             <a:endParaRPr lang="en-US"/>
           </a:p>
@@ -5963,7 +5968,7 @@
           <a:p>
             <a:fld id="{78AC6A5B-8AE7-4A41-B5A7-9ADC6686DC18}" type="datetime1">
               <a:rPr lang="en-US" smtClean="0"/>
-              <a:t>5/18/2024</a:t>
+              <a:t>5/19/2024</a:t>
             </a:fld>
             <a:endParaRPr lang="en-US"/>
           </a:p>
@@ -6272,7 +6277,7 @@
             <a:fld id="{57E0CF6C-748E-4B7A-BC8B-3011EF78ED13}" type="datetime1">
               <a:rPr lang="en-US" smtClean="0"/>
               <a:pPr/>
-              <a:t>5/18/2024</a:t>
+              <a:t>5/19/2024</a:t>
             </a:fld>
             <a:endParaRPr lang="en-US" dirty="0"/>
           </a:p>
@@ -6999,34 +7004,18 @@
             <a:pPr algn="l"/>
             <a:r>
               <a:rPr lang="es-ES" sz="2200" dirty="0"/>
-              <a:t>Izuel </a:t>
+              <a:t>Izuel Ascaso cañavera</a:t>
             </a:r>
+          </a:p>
+          <a:p>
+            <a:pPr algn="l"/>
             <a:r>
-              <a:rPr lang="es-ES" sz="2200" dirty="0" err="1"/>
-              <a:t>Ascaso</a:t>
+              <a:rPr lang="es-ES" sz="2200"/>
+              <a:t>Alfonso </a:t>
             </a:r>
             <a:r>
               <a:rPr lang="es-ES" sz="2200" dirty="0"/>
-              <a:t> cañavera</a:t>
-            </a:r>
-          </a:p>
-          <a:p>
-            <a:pPr algn="l"/>
-            <a:r>
-              <a:rPr lang="es-ES" sz="2200" dirty="0"/>
-              <a:t>Álvaro Solís </a:t>
-            </a:r>
-            <a:r>
-              <a:rPr lang="es-ES" sz="2200" dirty="0" err="1"/>
-              <a:t>LLanos</a:t>
-            </a:r>
-            <a:endParaRPr lang="es-ES" sz="2200" dirty="0"/>
-          </a:p>
-          <a:p>
-            <a:pPr algn="l"/>
-            <a:r>
-              <a:rPr lang="es-ES" sz="2200" dirty="0"/>
-              <a:t>Alfonso Muñoz López</a:t>
+              <a:t>Muñoz López</a:t>
             </a:r>
           </a:p>
           <a:p>

--- a/PowerPoint/FGC.pptx
+++ b/PowerPoint/FGC.pptx
@@ -7004,18 +7004,25 @@
             <a:pPr algn="l"/>
             <a:r>
               <a:rPr lang="es-ES" sz="2200" dirty="0"/>
-              <a:t>Izuel Ascaso cañavera</a:t>
+              <a:t>Izuel Ascaso Cañavera</a:t>
             </a:r>
           </a:p>
           <a:p>
             <a:pPr algn="l"/>
             <a:r>
-              <a:rPr lang="es-ES" sz="2200"/>
-              <a:t>Alfonso </a:t>
+              <a:rPr lang="es-ES" sz="2200" dirty="0" err="1"/>
+              <a:t>Alvaro</a:t>
             </a:r>
             <a:r>
               <a:rPr lang="es-ES" sz="2200" dirty="0"/>
-              <a:t>Muñoz López</a:t>
+              <a:t> Solís Llanos</a:t>
+            </a:r>
+          </a:p>
+          <a:p>
+            <a:pPr algn="l"/>
+            <a:r>
+              <a:rPr lang="es-ES" sz="2200" dirty="0"/>
+              <a:t>Alfonso Muñoz López</a:t>
             </a:r>
           </a:p>
           <a:p>

--- a/PowerPoint/FGC.pptx
+++ b/PowerPoint/FGC.pptx
@@ -6939,6 +6939,13 @@
               <a:rPr lang="es-ES" dirty="0"/>
               <a:t>FGC</a:t>
             </a:r>
+            <a:br>
+              <a:rPr lang="es-ES" dirty="0"/>
+            </a:br>
+            <a:r>
+              <a:rPr lang="es-ES" dirty="0"/>
+              <a:t>Pantalla en lenguaje braille</a:t>
+            </a:r>
           </a:p>
         </p:txBody>
       </p:sp>
@@ -7017,17 +7024,6 @@
               <a:rPr lang="es-ES" sz="2200" dirty="0"/>
               <a:t> Solís Llanos</a:t>
             </a:r>
-          </a:p>
-          <a:p>
-            <a:pPr algn="l"/>
-            <a:r>
-              <a:rPr lang="es-ES" sz="2200" dirty="0"/>
-              <a:t>Alfonso Muñoz López</a:t>
-            </a:r>
-          </a:p>
-          <a:p>
-            <a:pPr algn="l"/>
-            <a:endParaRPr lang="es-ES" sz="2200" dirty="0"/>
           </a:p>
         </p:txBody>
       </p:sp>
